--- a/Vorlage_Latex_dt/Pictures/Membran.pptx
+++ b/Vorlage_Latex_dt/Pictures/Membran.pptx
@@ -107,6 +107,22 @@
       </a:defRPr>
     </a:lvl9pPr>
   </p:defaultTextStyle>
+  <p:extLst>
+    <p:ext uri="{EFAFB233-063F-42B5-8137-9DF3F51BA10A}">
+      <p15:sldGuideLst xmlns:p15="http://schemas.microsoft.com/office/powerpoint/2012/main">
+        <p15:guide id="1" orient="horz" pos="2160">
+          <p15:clr>
+            <a:srgbClr val="A4A3A4"/>
+          </p15:clr>
+        </p15:guide>
+        <p15:guide id="2" pos="2880">
+          <p15:clr>
+            <a:srgbClr val="A4A3A4"/>
+          </p15:clr>
+        </p15:guide>
+      </p15:sldGuideLst>
+    </p:ext>
+  </p:extLst>
 </p:presentation>
 </file>
 
@@ -192,7 +208,7 @@
           <a:p>
             <a:fld id="{65189A62-F468-4230-8275-298B52D9280B}" type="datetimeFigureOut">
               <a:rPr lang="de-DE" smtClean="0"/>
-              <a:t>20.04.2016</a:t>
+              <a:t>08.08.2016</a:t>
             </a:fld>
             <a:endParaRPr lang="de-DE"/>
           </a:p>
@@ -256,38 +272,37 @@
           <a:p>
             <a:pPr lvl="0"/>
             <a:r>
-              <a:rPr lang="de-DE" smtClean="0"/>
+              <a:rPr lang="de-DE"/>
               <a:t>Textmasterformat bearbeiten</a:t>
             </a:r>
           </a:p>
           <a:p>
             <a:pPr lvl="1"/>
             <a:r>
-              <a:rPr lang="de-DE" smtClean="0"/>
+              <a:rPr lang="de-DE"/>
               <a:t>Zweite Ebene</a:t>
             </a:r>
           </a:p>
           <a:p>
             <a:pPr lvl="2"/>
             <a:r>
-              <a:rPr lang="de-DE" smtClean="0"/>
+              <a:rPr lang="de-DE"/>
               <a:t>Dritte Ebene</a:t>
             </a:r>
           </a:p>
           <a:p>
             <a:pPr lvl="3"/>
             <a:r>
-              <a:rPr lang="de-DE" smtClean="0"/>
+              <a:rPr lang="de-DE"/>
               <a:t>Vierte Ebene</a:t>
             </a:r>
           </a:p>
           <a:p>
             <a:pPr lvl="4"/>
             <a:r>
-              <a:rPr lang="de-DE" smtClean="0"/>
+              <a:rPr lang="de-DE"/>
               <a:t>Fünfte Ebene</a:t>
             </a:r>
-            <a:endParaRPr lang="de-DE"/>
           </a:p>
         </p:txBody>
       </p:sp>
@@ -498,10 +513,9 @@
           <a:lstStyle/>
           <a:p>
             <a:r>
-              <a:rPr lang="de-DE" smtClean="0"/>
+              <a:rPr lang="de-DE"/>
               <a:t>Titelmasterformat durch Klicken bearbeiten</a:t>
             </a:r>
-            <a:endParaRPr lang="de-DE"/>
           </a:p>
         </p:txBody>
       </p:sp>
@@ -617,10 +631,9 @@
           </a:lstStyle>
           <a:p>
             <a:r>
-              <a:rPr lang="de-DE" smtClean="0"/>
+              <a:rPr lang="de-DE"/>
               <a:t>Formatvorlage des Untertitelmasters durch Klicken bearbeiten</a:t>
             </a:r>
-            <a:endParaRPr lang="de-DE"/>
           </a:p>
         </p:txBody>
       </p:sp>
@@ -641,7 +654,7 @@
           <a:p>
             <a:fld id="{84D2A30A-A2E4-4252-BBF2-7554847D8145}" type="datetimeFigureOut">
               <a:rPr lang="de-DE" smtClean="0"/>
-              <a:t>20.04.2016</a:t>
+              <a:t>08.08.2016</a:t>
             </a:fld>
             <a:endParaRPr lang="de-DE"/>
           </a:p>
@@ -735,10 +748,9 @@
           <a:lstStyle/>
           <a:p>
             <a:r>
-              <a:rPr lang="de-DE" smtClean="0"/>
+              <a:rPr lang="de-DE"/>
               <a:t>Titelmasterformat durch Klicken bearbeiten</a:t>
             </a:r>
-            <a:endParaRPr lang="de-DE"/>
           </a:p>
         </p:txBody>
       </p:sp>
@@ -759,38 +771,37 @@
           <a:p>
             <a:pPr lvl="0"/>
             <a:r>
-              <a:rPr lang="de-DE" smtClean="0"/>
+              <a:rPr lang="de-DE"/>
               <a:t>Textmasterformat bearbeiten</a:t>
             </a:r>
           </a:p>
           <a:p>
             <a:pPr lvl="1"/>
             <a:r>
-              <a:rPr lang="de-DE" smtClean="0"/>
+              <a:rPr lang="de-DE"/>
               <a:t>Zweite Ebene</a:t>
             </a:r>
           </a:p>
           <a:p>
             <a:pPr lvl="2"/>
             <a:r>
-              <a:rPr lang="de-DE" smtClean="0"/>
+              <a:rPr lang="de-DE"/>
               <a:t>Dritte Ebene</a:t>
             </a:r>
           </a:p>
           <a:p>
             <a:pPr lvl="3"/>
             <a:r>
-              <a:rPr lang="de-DE" smtClean="0"/>
+              <a:rPr lang="de-DE"/>
               <a:t>Vierte Ebene</a:t>
             </a:r>
           </a:p>
           <a:p>
             <a:pPr lvl="4"/>
             <a:r>
-              <a:rPr lang="de-DE" smtClean="0"/>
+              <a:rPr lang="de-DE"/>
               <a:t>Fünfte Ebene</a:t>
             </a:r>
-            <a:endParaRPr lang="de-DE"/>
           </a:p>
         </p:txBody>
       </p:sp>
@@ -811,7 +822,7 @@
           <a:p>
             <a:fld id="{84D2A30A-A2E4-4252-BBF2-7554847D8145}" type="datetimeFigureOut">
               <a:rPr lang="de-DE" smtClean="0"/>
-              <a:t>20.04.2016</a:t>
+              <a:t>08.08.2016</a:t>
             </a:fld>
             <a:endParaRPr lang="de-DE"/>
           </a:p>
@@ -910,10 +921,9 @@
           <a:lstStyle/>
           <a:p>
             <a:r>
-              <a:rPr lang="de-DE" smtClean="0"/>
+              <a:rPr lang="de-DE"/>
               <a:t>Titelmasterformat durch Klicken bearbeiten</a:t>
             </a:r>
-            <a:endParaRPr lang="de-DE"/>
           </a:p>
         </p:txBody>
       </p:sp>
@@ -939,38 +949,37 @@
           <a:p>
             <a:pPr lvl="0"/>
             <a:r>
-              <a:rPr lang="de-DE" smtClean="0"/>
+              <a:rPr lang="de-DE"/>
               <a:t>Textmasterformat bearbeiten</a:t>
             </a:r>
           </a:p>
           <a:p>
             <a:pPr lvl="1"/>
             <a:r>
-              <a:rPr lang="de-DE" smtClean="0"/>
+              <a:rPr lang="de-DE"/>
               <a:t>Zweite Ebene</a:t>
             </a:r>
           </a:p>
           <a:p>
             <a:pPr lvl="2"/>
             <a:r>
-              <a:rPr lang="de-DE" smtClean="0"/>
+              <a:rPr lang="de-DE"/>
               <a:t>Dritte Ebene</a:t>
             </a:r>
           </a:p>
           <a:p>
             <a:pPr lvl="3"/>
             <a:r>
-              <a:rPr lang="de-DE" smtClean="0"/>
+              <a:rPr lang="de-DE"/>
               <a:t>Vierte Ebene</a:t>
             </a:r>
           </a:p>
           <a:p>
             <a:pPr lvl="4"/>
             <a:r>
-              <a:rPr lang="de-DE" smtClean="0"/>
+              <a:rPr lang="de-DE"/>
               <a:t>Fünfte Ebene</a:t>
             </a:r>
-            <a:endParaRPr lang="de-DE"/>
           </a:p>
         </p:txBody>
       </p:sp>
@@ -991,7 +1000,7 @@
           <a:p>
             <a:fld id="{84D2A30A-A2E4-4252-BBF2-7554847D8145}" type="datetimeFigureOut">
               <a:rPr lang="de-DE" smtClean="0"/>
-              <a:t>20.04.2016</a:t>
+              <a:t>08.08.2016</a:t>
             </a:fld>
             <a:endParaRPr lang="de-DE"/>
           </a:p>
@@ -1085,10 +1094,9 @@
           <a:lstStyle/>
           <a:p>
             <a:r>
-              <a:rPr lang="de-DE" smtClean="0"/>
+              <a:rPr lang="de-DE"/>
               <a:t>Titelmasterformat durch Klicken bearbeiten</a:t>
             </a:r>
-            <a:endParaRPr lang="de-DE"/>
           </a:p>
         </p:txBody>
       </p:sp>
@@ -1109,38 +1117,37 @@
           <a:p>
             <a:pPr lvl="0"/>
             <a:r>
-              <a:rPr lang="de-DE" smtClean="0"/>
+              <a:rPr lang="de-DE"/>
               <a:t>Textmasterformat bearbeiten</a:t>
             </a:r>
           </a:p>
           <a:p>
             <a:pPr lvl="1"/>
             <a:r>
-              <a:rPr lang="de-DE" smtClean="0"/>
+              <a:rPr lang="de-DE"/>
               <a:t>Zweite Ebene</a:t>
             </a:r>
           </a:p>
           <a:p>
             <a:pPr lvl="2"/>
             <a:r>
-              <a:rPr lang="de-DE" smtClean="0"/>
+              <a:rPr lang="de-DE"/>
               <a:t>Dritte Ebene</a:t>
             </a:r>
           </a:p>
           <a:p>
             <a:pPr lvl="3"/>
             <a:r>
-              <a:rPr lang="de-DE" smtClean="0"/>
+              <a:rPr lang="de-DE"/>
               <a:t>Vierte Ebene</a:t>
             </a:r>
           </a:p>
           <a:p>
             <a:pPr lvl="4"/>
             <a:r>
-              <a:rPr lang="de-DE" smtClean="0"/>
+              <a:rPr lang="de-DE"/>
               <a:t>Fünfte Ebene</a:t>
             </a:r>
-            <a:endParaRPr lang="de-DE"/>
           </a:p>
         </p:txBody>
       </p:sp>
@@ -1161,7 +1168,7 @@
           <a:p>
             <a:fld id="{84D2A30A-A2E4-4252-BBF2-7554847D8145}" type="datetimeFigureOut">
               <a:rPr lang="de-DE" smtClean="0"/>
-              <a:t>20.04.2016</a:t>
+              <a:t>08.08.2016</a:t>
             </a:fld>
             <a:endParaRPr lang="de-DE"/>
           </a:p>
@@ -1264,10 +1271,9 @@
           </a:lstStyle>
           <a:p>
             <a:r>
-              <a:rPr lang="de-DE" smtClean="0"/>
+              <a:rPr lang="de-DE"/>
               <a:t>Titelmasterformat durch Klicken bearbeiten</a:t>
             </a:r>
-            <a:endParaRPr lang="de-DE"/>
           </a:p>
         </p:txBody>
       </p:sp>
@@ -1384,7 +1390,7 @@
           <a:p>
             <a:pPr lvl="0"/>
             <a:r>
-              <a:rPr lang="de-DE" smtClean="0"/>
+              <a:rPr lang="de-DE"/>
               <a:t>Textmasterformat bearbeiten</a:t>
             </a:r>
           </a:p>
@@ -1407,7 +1413,7 @@
           <a:p>
             <a:fld id="{84D2A30A-A2E4-4252-BBF2-7554847D8145}" type="datetimeFigureOut">
               <a:rPr lang="de-DE" smtClean="0"/>
-              <a:t>20.04.2016</a:t>
+              <a:t>08.08.2016</a:t>
             </a:fld>
             <a:endParaRPr lang="de-DE"/>
           </a:p>
@@ -1501,10 +1507,9 @@
           <a:lstStyle/>
           <a:p>
             <a:r>
-              <a:rPr lang="de-DE" smtClean="0"/>
+              <a:rPr lang="de-DE"/>
               <a:t>Titelmasterformat durch Klicken bearbeiten</a:t>
             </a:r>
-            <a:endParaRPr lang="de-DE"/>
           </a:p>
         </p:txBody>
       </p:sp>
@@ -1558,38 +1563,37 @@
           <a:p>
             <a:pPr lvl="0"/>
             <a:r>
-              <a:rPr lang="de-DE" smtClean="0"/>
+              <a:rPr lang="de-DE"/>
               <a:t>Textmasterformat bearbeiten</a:t>
             </a:r>
           </a:p>
           <a:p>
             <a:pPr lvl="1"/>
             <a:r>
-              <a:rPr lang="de-DE" smtClean="0"/>
+              <a:rPr lang="de-DE"/>
               <a:t>Zweite Ebene</a:t>
             </a:r>
           </a:p>
           <a:p>
             <a:pPr lvl="2"/>
             <a:r>
-              <a:rPr lang="de-DE" smtClean="0"/>
+              <a:rPr lang="de-DE"/>
               <a:t>Dritte Ebene</a:t>
             </a:r>
           </a:p>
           <a:p>
             <a:pPr lvl="3"/>
             <a:r>
-              <a:rPr lang="de-DE" smtClean="0"/>
+              <a:rPr lang="de-DE"/>
               <a:t>Vierte Ebene</a:t>
             </a:r>
           </a:p>
           <a:p>
             <a:pPr lvl="4"/>
             <a:r>
-              <a:rPr lang="de-DE" smtClean="0"/>
+              <a:rPr lang="de-DE"/>
               <a:t>Fünfte Ebene</a:t>
             </a:r>
-            <a:endParaRPr lang="de-DE"/>
           </a:p>
         </p:txBody>
       </p:sp>
@@ -1643,38 +1647,37 @@
           <a:p>
             <a:pPr lvl="0"/>
             <a:r>
-              <a:rPr lang="de-DE" smtClean="0"/>
+              <a:rPr lang="de-DE"/>
               <a:t>Textmasterformat bearbeiten</a:t>
             </a:r>
           </a:p>
           <a:p>
             <a:pPr lvl="1"/>
             <a:r>
-              <a:rPr lang="de-DE" smtClean="0"/>
+              <a:rPr lang="de-DE"/>
               <a:t>Zweite Ebene</a:t>
             </a:r>
           </a:p>
           <a:p>
             <a:pPr lvl="2"/>
             <a:r>
-              <a:rPr lang="de-DE" smtClean="0"/>
+              <a:rPr lang="de-DE"/>
               <a:t>Dritte Ebene</a:t>
             </a:r>
           </a:p>
           <a:p>
             <a:pPr lvl="3"/>
             <a:r>
-              <a:rPr lang="de-DE" smtClean="0"/>
+              <a:rPr lang="de-DE"/>
               <a:t>Vierte Ebene</a:t>
             </a:r>
           </a:p>
           <a:p>
             <a:pPr lvl="4"/>
             <a:r>
-              <a:rPr lang="de-DE" smtClean="0"/>
+              <a:rPr lang="de-DE"/>
               <a:t>Fünfte Ebene</a:t>
             </a:r>
-            <a:endParaRPr lang="de-DE"/>
           </a:p>
         </p:txBody>
       </p:sp>
@@ -1695,7 +1698,7 @@
           <a:p>
             <a:fld id="{84D2A30A-A2E4-4252-BBF2-7554847D8145}" type="datetimeFigureOut">
               <a:rPr lang="de-DE" smtClean="0"/>
-              <a:t>20.04.2016</a:t>
+              <a:t>08.08.2016</a:t>
             </a:fld>
             <a:endParaRPr lang="de-DE"/>
           </a:p>
@@ -1793,10 +1796,9 @@
           </a:lstStyle>
           <a:p>
             <a:r>
-              <a:rPr lang="de-DE" smtClean="0"/>
+              <a:rPr lang="de-DE"/>
               <a:t>Titelmasterformat durch Klicken bearbeiten</a:t>
             </a:r>
-            <a:endParaRPr lang="de-DE"/>
           </a:p>
         </p:txBody>
       </p:sp>
@@ -1859,7 +1861,7 @@
           <a:p>
             <a:pPr lvl="0"/>
             <a:r>
-              <a:rPr lang="de-DE" smtClean="0"/>
+              <a:rPr lang="de-DE"/>
               <a:t>Textmasterformat bearbeiten</a:t>
             </a:r>
           </a:p>
@@ -1915,38 +1917,37 @@
           <a:p>
             <a:pPr lvl="0"/>
             <a:r>
-              <a:rPr lang="de-DE" smtClean="0"/>
+              <a:rPr lang="de-DE"/>
               <a:t>Textmasterformat bearbeiten</a:t>
             </a:r>
           </a:p>
           <a:p>
             <a:pPr lvl="1"/>
             <a:r>
-              <a:rPr lang="de-DE" smtClean="0"/>
+              <a:rPr lang="de-DE"/>
               <a:t>Zweite Ebene</a:t>
             </a:r>
           </a:p>
           <a:p>
             <a:pPr lvl="2"/>
             <a:r>
-              <a:rPr lang="de-DE" smtClean="0"/>
+              <a:rPr lang="de-DE"/>
               <a:t>Dritte Ebene</a:t>
             </a:r>
           </a:p>
           <a:p>
             <a:pPr lvl="3"/>
             <a:r>
-              <a:rPr lang="de-DE" smtClean="0"/>
+              <a:rPr lang="de-DE"/>
               <a:t>Vierte Ebene</a:t>
             </a:r>
           </a:p>
           <a:p>
             <a:pPr lvl="4"/>
             <a:r>
-              <a:rPr lang="de-DE" smtClean="0"/>
+              <a:rPr lang="de-DE"/>
               <a:t>Fünfte Ebene</a:t>
             </a:r>
-            <a:endParaRPr lang="de-DE"/>
           </a:p>
         </p:txBody>
       </p:sp>
@@ -2009,7 +2010,7 @@
           <a:p>
             <a:pPr lvl="0"/>
             <a:r>
-              <a:rPr lang="de-DE" smtClean="0"/>
+              <a:rPr lang="de-DE"/>
               <a:t>Textmasterformat bearbeiten</a:t>
             </a:r>
           </a:p>
@@ -2065,38 +2066,37 @@
           <a:p>
             <a:pPr lvl="0"/>
             <a:r>
-              <a:rPr lang="de-DE" smtClean="0"/>
+              <a:rPr lang="de-DE"/>
               <a:t>Textmasterformat bearbeiten</a:t>
             </a:r>
           </a:p>
           <a:p>
             <a:pPr lvl="1"/>
             <a:r>
-              <a:rPr lang="de-DE" smtClean="0"/>
+              <a:rPr lang="de-DE"/>
               <a:t>Zweite Ebene</a:t>
             </a:r>
           </a:p>
           <a:p>
             <a:pPr lvl="2"/>
             <a:r>
-              <a:rPr lang="de-DE" smtClean="0"/>
+              <a:rPr lang="de-DE"/>
               <a:t>Dritte Ebene</a:t>
             </a:r>
           </a:p>
           <a:p>
             <a:pPr lvl="3"/>
             <a:r>
-              <a:rPr lang="de-DE" smtClean="0"/>
+              <a:rPr lang="de-DE"/>
               <a:t>Vierte Ebene</a:t>
             </a:r>
           </a:p>
           <a:p>
             <a:pPr lvl="4"/>
             <a:r>
-              <a:rPr lang="de-DE" smtClean="0"/>
+              <a:rPr lang="de-DE"/>
               <a:t>Fünfte Ebene</a:t>
             </a:r>
-            <a:endParaRPr lang="de-DE"/>
           </a:p>
         </p:txBody>
       </p:sp>
@@ -2117,7 +2117,7 @@
           <a:p>
             <a:fld id="{84D2A30A-A2E4-4252-BBF2-7554847D8145}" type="datetimeFigureOut">
               <a:rPr lang="de-DE" smtClean="0"/>
-              <a:t>20.04.2016</a:t>
+              <a:t>08.08.2016</a:t>
             </a:fld>
             <a:endParaRPr lang="de-DE"/>
           </a:p>
@@ -2211,10 +2211,9 @@
           <a:lstStyle/>
           <a:p>
             <a:r>
-              <a:rPr lang="de-DE" smtClean="0"/>
+              <a:rPr lang="de-DE"/>
               <a:t>Titelmasterformat durch Klicken bearbeiten</a:t>
             </a:r>
-            <a:endParaRPr lang="de-DE"/>
           </a:p>
         </p:txBody>
       </p:sp>
@@ -2235,7 +2234,7 @@
           <a:p>
             <a:fld id="{84D2A30A-A2E4-4252-BBF2-7554847D8145}" type="datetimeFigureOut">
               <a:rPr lang="de-DE" smtClean="0"/>
-              <a:t>20.04.2016</a:t>
+              <a:t>08.08.2016</a:t>
             </a:fld>
             <a:endParaRPr lang="de-DE"/>
           </a:p>
@@ -2330,7 +2329,7 @@
           <a:p>
             <a:fld id="{84D2A30A-A2E4-4252-BBF2-7554847D8145}" type="datetimeFigureOut">
               <a:rPr lang="de-DE" smtClean="0"/>
-              <a:t>20.04.2016</a:t>
+              <a:t>08.08.2016</a:t>
             </a:fld>
             <a:endParaRPr lang="de-DE"/>
           </a:p>
@@ -2433,10 +2432,9 @@
           </a:lstStyle>
           <a:p>
             <a:r>
-              <a:rPr lang="de-DE" smtClean="0"/>
+              <a:rPr lang="de-DE"/>
               <a:t>Titelmasterformat durch Klicken bearbeiten</a:t>
             </a:r>
-            <a:endParaRPr lang="de-DE"/>
           </a:p>
         </p:txBody>
       </p:sp>
@@ -2490,38 +2488,37 @@
           <a:p>
             <a:pPr lvl="0"/>
             <a:r>
-              <a:rPr lang="de-DE" smtClean="0"/>
+              <a:rPr lang="de-DE"/>
               <a:t>Textmasterformat bearbeiten</a:t>
             </a:r>
           </a:p>
           <a:p>
             <a:pPr lvl="1"/>
             <a:r>
-              <a:rPr lang="de-DE" smtClean="0"/>
+              <a:rPr lang="de-DE"/>
               <a:t>Zweite Ebene</a:t>
             </a:r>
           </a:p>
           <a:p>
             <a:pPr lvl="2"/>
             <a:r>
-              <a:rPr lang="de-DE" smtClean="0"/>
+              <a:rPr lang="de-DE"/>
               <a:t>Dritte Ebene</a:t>
             </a:r>
           </a:p>
           <a:p>
             <a:pPr lvl="3"/>
             <a:r>
-              <a:rPr lang="de-DE" smtClean="0"/>
+              <a:rPr lang="de-DE"/>
               <a:t>Vierte Ebene</a:t>
             </a:r>
           </a:p>
           <a:p>
             <a:pPr lvl="4"/>
             <a:r>
-              <a:rPr lang="de-DE" smtClean="0"/>
+              <a:rPr lang="de-DE"/>
               <a:t>Fünfte Ebene</a:t>
             </a:r>
-            <a:endParaRPr lang="de-DE"/>
           </a:p>
         </p:txBody>
       </p:sp>
@@ -2584,7 +2581,7 @@
           <a:p>
             <a:pPr lvl="0"/>
             <a:r>
-              <a:rPr lang="de-DE" smtClean="0"/>
+              <a:rPr lang="de-DE"/>
               <a:t>Textmasterformat bearbeiten</a:t>
             </a:r>
           </a:p>
@@ -2607,7 +2604,7 @@
           <a:p>
             <a:fld id="{84D2A30A-A2E4-4252-BBF2-7554847D8145}" type="datetimeFigureOut">
               <a:rPr lang="de-DE" smtClean="0"/>
-              <a:t>20.04.2016</a:t>
+              <a:t>08.08.2016</a:t>
             </a:fld>
             <a:endParaRPr lang="de-DE"/>
           </a:p>
@@ -2710,10 +2707,9 @@
           </a:lstStyle>
           <a:p>
             <a:r>
-              <a:rPr lang="de-DE" smtClean="0"/>
+              <a:rPr lang="de-DE"/>
               <a:t>Titelmasterformat durch Klicken bearbeiten</a:t>
             </a:r>
-            <a:endParaRPr lang="de-DE"/>
           </a:p>
         </p:txBody>
       </p:sp>
@@ -2837,7 +2833,7 @@
           <a:p>
             <a:pPr lvl="0"/>
             <a:r>
-              <a:rPr lang="de-DE" smtClean="0"/>
+              <a:rPr lang="de-DE"/>
               <a:t>Textmasterformat bearbeiten</a:t>
             </a:r>
           </a:p>
@@ -2860,7 +2856,7 @@
           <a:p>
             <a:fld id="{84D2A30A-A2E4-4252-BBF2-7554847D8145}" type="datetimeFigureOut">
               <a:rPr lang="de-DE" smtClean="0"/>
-              <a:t>20.04.2016</a:t>
+              <a:t>08.08.2016</a:t>
             </a:fld>
             <a:endParaRPr lang="de-DE"/>
           </a:p>
@@ -2969,10 +2965,9 @@
           <a:lstStyle/>
           <a:p>
             <a:r>
-              <a:rPr lang="de-DE" smtClean="0"/>
+              <a:rPr lang="de-DE"/>
               <a:t>Titelmasterformat durch Klicken bearbeiten</a:t>
             </a:r>
-            <a:endParaRPr lang="de-DE"/>
           </a:p>
         </p:txBody>
       </p:sp>
@@ -3003,38 +2998,37 @@
           <a:p>
             <a:pPr lvl="0"/>
             <a:r>
-              <a:rPr lang="de-DE" smtClean="0"/>
+              <a:rPr lang="de-DE"/>
               <a:t>Textmasterformat bearbeiten</a:t>
             </a:r>
           </a:p>
           <a:p>
             <a:pPr lvl="1"/>
             <a:r>
-              <a:rPr lang="de-DE" smtClean="0"/>
+              <a:rPr lang="de-DE"/>
               <a:t>Zweite Ebene</a:t>
             </a:r>
           </a:p>
           <a:p>
             <a:pPr lvl="2"/>
             <a:r>
-              <a:rPr lang="de-DE" smtClean="0"/>
+              <a:rPr lang="de-DE"/>
               <a:t>Dritte Ebene</a:t>
             </a:r>
           </a:p>
           <a:p>
             <a:pPr lvl="3"/>
             <a:r>
-              <a:rPr lang="de-DE" smtClean="0"/>
+              <a:rPr lang="de-DE"/>
               <a:t>Vierte Ebene</a:t>
             </a:r>
           </a:p>
           <a:p>
             <a:pPr lvl="4"/>
             <a:r>
-              <a:rPr lang="de-DE" smtClean="0"/>
+              <a:rPr lang="de-DE"/>
               <a:t>Fünfte Ebene</a:t>
             </a:r>
-            <a:endParaRPr lang="de-DE"/>
           </a:p>
         </p:txBody>
       </p:sp>
@@ -3073,7 +3067,7 @@
           <a:p>
             <a:fld id="{84D2A30A-A2E4-4252-BBF2-7554847D8145}" type="datetimeFigureOut">
               <a:rPr lang="de-DE" smtClean="0"/>
-              <a:t>20.04.2016</a:t>
+              <a:t>08.08.2016</a:t>
             </a:fld>
             <a:endParaRPr lang="de-DE"/>
           </a:p>
@@ -3456,8 +3450,8 @@
         </p:nvSpPr>
         <p:spPr>
           <a:xfrm>
-            <a:off x="755576" y="2060848"/>
-            <a:ext cx="7056784" cy="2592288"/>
+            <a:off x="755576" y="1556792"/>
+            <a:ext cx="7056784" cy="3600400"/>
           </a:xfrm>
           <a:prstGeom prst="rect">
             <a:avLst/>
@@ -3566,7 +3560,7 @@
         </p:nvCxnSpPr>
         <p:spPr>
           <a:xfrm>
-            <a:off x="6660232" y="2924944"/>
+            <a:off x="6156176" y="2908255"/>
             <a:ext cx="0" cy="936104"/>
           </a:xfrm>
           <a:prstGeom prst="straightConnector1">
@@ -3599,7 +3593,7 @@
         </p:nvSpPr>
         <p:spPr>
           <a:xfrm>
-            <a:off x="6697414" y="3208330"/>
+            <a:off x="6192964" y="3208330"/>
             <a:ext cx="504056" cy="369332"/>
           </a:xfrm>
           <a:prstGeom prst="rect">
@@ -3614,7 +3608,7 @@
           <a:lstStyle/>
           <a:p>
             <a:r>
-              <a:rPr lang="de-DE" dirty="0" err="1" smtClean="0">
+              <a:rPr lang="de-DE" dirty="0" err="1">
                 <a:latin typeface="Tahoma" panose="020B0604030504040204" pitchFamily="34" charset="0"/>
                 <a:ea typeface="Tahoma" panose="020B0604030504040204" pitchFamily="34" charset="0"/>
                 <a:cs typeface="Tahoma" panose="020B0604030504040204" pitchFamily="34" charset="0"/>
@@ -3622,7 +3616,7 @@
               <a:t>ṁ</a:t>
             </a:r>
             <a:r>
-              <a:rPr lang="de-DE" baseline="-25000" dirty="0" err="1" smtClean="0">
+              <a:rPr lang="de-DE" baseline="-25000" dirty="0" err="1">
                 <a:latin typeface="Tahoma" panose="020B0604030504040204" pitchFamily="34" charset="0"/>
                 <a:ea typeface="Tahoma" panose="020B0604030504040204" pitchFamily="34" charset="0"/>
                 <a:cs typeface="Tahoma" panose="020B0604030504040204" pitchFamily="34" charset="0"/>
@@ -3674,10 +3668,9 @@
           <a:p>
             <a:pPr algn="ctr"/>
             <a:r>
-              <a:rPr lang="de-DE" dirty="0" smtClean="0"/>
+              <a:rPr lang="de-DE" dirty="0"/>
               <a:t>Feed</a:t>
             </a:r>
-            <a:endParaRPr lang="de-DE" dirty="0"/>
           </a:p>
         </p:txBody>
       </p:sp>
@@ -3721,28 +3714,12 @@
           <a:p>
             <a:pPr algn="ctr"/>
             <a:r>
-              <a:rPr lang="de-DE" dirty="0" err="1" smtClean="0">
+              <a:rPr lang="de-DE" dirty="0" err="1">
                 <a:solidFill>
                   <a:schemeClr val="tx2"/>
                 </a:solidFill>
               </a:rPr>
-              <a:t>Permeate</a:t>
-            </a:r>
-            <a:r>
-              <a:rPr lang="de-DE" dirty="0" smtClean="0">
-                <a:solidFill>
-                  <a:schemeClr val="tx2"/>
-                </a:solidFill>
-              </a:rPr>
-              <a:t>/ </a:t>
-            </a:r>
-            <a:r>
-              <a:rPr lang="de-DE" dirty="0" err="1" smtClean="0">
-                <a:solidFill>
-                  <a:schemeClr val="tx2"/>
-                </a:solidFill>
-              </a:rPr>
-              <a:t>sweep</a:t>
+              <a:t>Sweep</a:t>
             </a:r>
             <a:endParaRPr lang="de-DE" dirty="0">
               <a:solidFill>
@@ -3760,7 +3737,7 @@
         </p:nvCxnSpPr>
         <p:spPr>
           <a:xfrm>
-            <a:off x="2051720" y="2924944"/>
+            <a:off x="2346226" y="2908255"/>
             <a:ext cx="0" cy="936104"/>
           </a:xfrm>
           <a:prstGeom prst="straightConnector1">
@@ -3796,7 +3773,7 @@
         </p:nvSpPr>
         <p:spPr>
           <a:xfrm>
-            <a:off x="2123728" y="3208330"/>
+            <a:off x="2357638" y="3208330"/>
             <a:ext cx="792088" cy="369332"/>
           </a:xfrm>
           <a:prstGeom prst="rect">
@@ -3812,7 +3789,7 @@
           <a:p>
             <a:r>
               <a:rPr lang="de-DE" dirty="0"/>
-              <a:t>q</a:t>
+              <a:t>Q</a:t>
             </a:r>
           </a:p>
         </p:txBody>
@@ -3825,7 +3802,7 @@
         </p:nvSpPr>
         <p:spPr>
           <a:xfrm>
-            <a:off x="787748" y="2060848"/>
+            <a:off x="6885645" y="1989388"/>
             <a:ext cx="792088" cy="369332"/>
           </a:xfrm>
           <a:prstGeom prst="rect">
@@ -3840,10 +3817,9 @@
           <a:lstStyle/>
           <a:p>
             <a:r>
-              <a:rPr lang="de-DE" dirty="0" smtClean="0"/>
+              <a:rPr lang="de-DE" dirty="0"/>
               <a:t>Index</a:t>
             </a:r>
-            <a:endParaRPr lang="de-DE" dirty="0"/>
           </a:p>
         </p:txBody>
       </p:sp>
@@ -3855,7 +3831,7 @@
         </p:nvSpPr>
         <p:spPr>
           <a:xfrm>
-            <a:off x="1378968" y="2308230"/>
+            <a:off x="7476865" y="2236770"/>
             <a:ext cx="320204" cy="369332"/>
           </a:xfrm>
           <a:prstGeom prst="rect">
@@ -3870,70 +3846,9 @@
           <a:lstStyle/>
           <a:p>
             <a:r>
-              <a:rPr lang="de-DE" dirty="0" smtClean="0"/>
+              <a:rPr lang="de-DE" dirty="0"/>
               <a:t>f</a:t>
             </a:r>
-            <a:endParaRPr lang="de-DE" dirty="0"/>
-          </a:p>
-        </p:txBody>
-      </p:sp>
-      <p:sp>
-        <p:nvSpPr>
-          <p:cNvPr id="16" name="Textfeld 15"/>
-          <p:cNvSpPr txBox="1"/>
-          <p:nvPr/>
-        </p:nvSpPr>
-        <p:spPr>
-          <a:xfrm>
-            <a:off x="1175830" y="2740278"/>
-            <a:ext cx="523342" cy="369332"/>
-          </a:xfrm>
-          <a:prstGeom prst="rect">
-            <a:avLst/>
-          </a:prstGeom>
-          <a:noFill/>
-        </p:spPr>
-        <p:txBody>
-          <a:bodyPr wrap="square" rtlCol="0">
-            <a:spAutoFit/>
-          </a:bodyPr>
-          <a:lstStyle/>
-          <a:p>
-            <a:r>
-              <a:rPr lang="de-DE" dirty="0" smtClean="0"/>
-              <a:t>mf</a:t>
-            </a:r>
-            <a:endParaRPr lang="de-DE" dirty="0"/>
-          </a:p>
-        </p:txBody>
-      </p:sp>
-      <p:sp>
-        <p:nvSpPr>
-          <p:cNvPr id="17" name="Textfeld 16"/>
-          <p:cNvSpPr txBox="1"/>
-          <p:nvPr/>
-        </p:nvSpPr>
-        <p:spPr>
-          <a:xfrm>
-            <a:off x="1175830" y="3676382"/>
-            <a:ext cx="523342" cy="369332"/>
-          </a:xfrm>
-          <a:prstGeom prst="rect">
-            <a:avLst/>
-          </a:prstGeom>
-          <a:noFill/>
-        </p:spPr>
-        <p:txBody>
-          <a:bodyPr wrap="square" rtlCol="0">
-            <a:spAutoFit/>
-          </a:bodyPr>
-          <a:lstStyle/>
-          <a:p>
-            <a:r>
-              <a:rPr lang="de-DE" dirty="0" smtClean="0"/>
-              <a:t>mp</a:t>
-            </a:r>
-            <a:endParaRPr lang="de-DE" dirty="0"/>
           </a:p>
         </p:txBody>
       </p:sp>
@@ -3945,7 +3860,7 @@
         </p:nvSpPr>
         <p:spPr>
           <a:xfrm>
-            <a:off x="1311550" y="4149080"/>
+            <a:off x="7409447" y="4077620"/>
             <a:ext cx="370942" cy="369332"/>
           </a:xfrm>
           <a:prstGeom prst="rect">
@@ -3960,10 +3875,9 @@
           <a:lstStyle/>
           <a:p>
             <a:r>
-              <a:rPr lang="de-DE" dirty="0" smtClean="0"/>
+              <a:rPr lang="de-DE" dirty="0"/>
               <a:t>p</a:t>
             </a:r>
-            <a:endParaRPr lang="de-DE" dirty="0"/>
           </a:p>
         </p:txBody>
       </p:sp>
@@ -3975,7 +3889,7 @@
         </p:nvSpPr>
         <p:spPr>
           <a:xfrm>
-            <a:off x="1277399" y="3212542"/>
+            <a:off x="7375296" y="3141082"/>
             <a:ext cx="320204" cy="369332"/>
           </a:xfrm>
           <a:prstGeom prst="rect">
@@ -3990,10 +3904,133 @@
           <a:lstStyle/>
           <a:p>
             <a:r>
-              <a:rPr lang="de-DE" dirty="0" smtClean="0"/>
+              <a:rPr lang="de-DE" dirty="0"/>
               <a:t>m</a:t>
             </a:r>
-            <a:endParaRPr lang="de-DE" dirty="0"/>
+          </a:p>
+        </p:txBody>
+      </p:sp>
+      <p:cxnSp>
+        <p:nvCxnSpPr>
+          <p:cNvPr id="3" name="Gerade Verbindung mit Pfeil 2"/>
+          <p:cNvCxnSpPr/>
+          <p:nvPr/>
+        </p:nvCxnSpPr>
+        <p:spPr>
+          <a:xfrm flipV="1">
+            <a:off x="1108949" y="2822931"/>
+            <a:ext cx="1044365" cy="889"/>
+          </a:xfrm>
+          <a:prstGeom prst="straightConnector1">
+            <a:avLst/>
+          </a:prstGeom>
+          <a:ln>
+            <a:tailEnd type="triangle"/>
+          </a:ln>
+        </p:spPr>
+        <p:style>
+          <a:lnRef idx="1">
+            <a:schemeClr val="accent1"/>
+          </a:lnRef>
+          <a:fillRef idx="0">
+            <a:schemeClr val="accent1"/>
+          </a:fillRef>
+          <a:effectRef idx="0">
+            <a:schemeClr val="accent1"/>
+          </a:effectRef>
+          <a:fontRef idx="minor">
+            <a:schemeClr val="tx1"/>
+          </a:fontRef>
+        </p:style>
+      </p:cxnSp>
+      <p:cxnSp>
+        <p:nvCxnSpPr>
+          <p:cNvPr id="20" name="Gerade Verbindung mit Pfeil 19"/>
+          <p:cNvCxnSpPr/>
+          <p:nvPr/>
+        </p:nvCxnSpPr>
+        <p:spPr>
+          <a:xfrm flipV="1">
+            <a:off x="1120161" y="2125351"/>
+            <a:ext cx="0" cy="697580"/>
+          </a:xfrm>
+          <a:prstGeom prst="straightConnector1">
+            <a:avLst/>
+          </a:prstGeom>
+          <a:ln>
+            <a:tailEnd type="triangle"/>
+          </a:ln>
+        </p:spPr>
+        <p:style>
+          <a:lnRef idx="1">
+            <a:schemeClr val="accent1"/>
+          </a:lnRef>
+          <a:fillRef idx="0">
+            <a:schemeClr val="accent1"/>
+          </a:fillRef>
+          <a:effectRef idx="0">
+            <a:schemeClr val="accent1"/>
+          </a:effectRef>
+          <a:fontRef idx="minor">
+            <a:schemeClr val="tx1"/>
+          </a:fontRef>
+        </p:style>
+      </p:cxnSp>
+      <p:sp>
+        <p:nvSpPr>
+          <p:cNvPr id="21" name="Textfeld 20"/>
+          <p:cNvSpPr txBox="1"/>
+          <p:nvPr/>
+        </p:nvSpPr>
+        <p:spPr>
+          <a:xfrm>
+            <a:off x="1962044" y="2486387"/>
+            <a:ext cx="471884" cy="369332"/>
+          </a:xfrm>
+          <a:prstGeom prst="rect">
+            <a:avLst/>
+          </a:prstGeom>
+          <a:noFill/>
+        </p:spPr>
+        <p:txBody>
+          <a:bodyPr wrap="square" rtlCol="0">
+            <a:spAutoFit/>
+          </a:bodyPr>
+          <a:lstStyle/>
+          <a:p>
+            <a:r>
+              <a:rPr lang="de-DE" dirty="0"/>
+              <a:t>x</a:t>
+            </a:r>
+          </a:p>
+        </p:txBody>
+      </p:sp>
+      <p:sp>
+        <p:nvSpPr>
+          <p:cNvPr id="22" name="Textfeld 21"/>
+          <p:cNvSpPr txBox="1"/>
+          <p:nvPr/>
+        </p:nvSpPr>
+        <p:spPr>
+          <a:xfrm>
+            <a:off x="786571" y="1989388"/>
+            <a:ext cx="471884" cy="369332"/>
+          </a:xfrm>
+          <a:prstGeom prst="rect">
+            <a:avLst/>
+          </a:prstGeom>
+          <a:noFill/>
+        </p:spPr>
+        <p:txBody>
+          <a:bodyPr wrap="square" rtlCol="0">
+            <a:spAutoFit/>
+          </a:bodyPr>
+          <a:lstStyle/>
+          <a:p>
+            <a:r>
+              <a:rPr lang="de-DE" dirty="0"/>
+              <a:t>z</a:t>
+            </a:r>
           </a:p>
         </p:txBody>
       </p:sp>
@@ -4007,13 +4044,6 @@
   <p:clrMapOvr>
     <a:masterClrMapping/>
   </p:clrMapOvr>
-  <p:timing>
-    <p:tnLst>
-      <p:par>
-        <p:cTn id="1" dur="indefinite" restart="never" nodeType="tmRoot"/>
-      </p:par>
-    </p:tnLst>
-  </p:timing>
 </p:sld>
 </file>
 
